--- a/docs/4-1. github pull request.pptx
+++ b/docs/4-1. github pull request.pptx
@@ -1470,7 +1470,7 @@
           <a:p>
             <a:fld id="{EFBA5509-D1D1-47CF-BFB7-E1AA9548D41D}" type="datetimeFigureOut">
               <a:rPr lang="ko-KR" altLang="en-US" smtClean="0"/>
-              <a:t>2022-11-17</a:t>
+              <a:t>2022-11-26</a:t>
             </a:fld>
             <a:endParaRPr lang="ko-KR" altLang="en-US"/>
           </a:p>
@@ -3312,7 +3312,7 @@
           <a:p>
             <a:fld id="{2E2D5BC7-3CC9-4CF8-9043-E85E9F2EC4FF}" type="datetimeFigureOut">
               <a:rPr lang="ko-KR" altLang="en-US" smtClean="0"/>
-              <a:t>2022-11-17</a:t>
+              <a:t>2022-11-26</a:t>
             </a:fld>
             <a:endParaRPr lang="ko-KR" altLang="en-US"/>
           </a:p>
@@ -3510,7 +3510,7 @@
           <a:p>
             <a:fld id="{2E2D5BC7-3CC9-4CF8-9043-E85E9F2EC4FF}" type="datetimeFigureOut">
               <a:rPr lang="ko-KR" altLang="en-US" smtClean="0"/>
-              <a:t>2022-11-17</a:t>
+              <a:t>2022-11-26</a:t>
             </a:fld>
             <a:endParaRPr lang="ko-KR" altLang="en-US"/>
           </a:p>
@@ -3718,7 +3718,7 @@
           <a:p>
             <a:fld id="{2E2D5BC7-3CC9-4CF8-9043-E85E9F2EC4FF}" type="datetimeFigureOut">
               <a:rPr lang="ko-KR" altLang="en-US" smtClean="0"/>
-              <a:t>2022-11-17</a:t>
+              <a:t>2022-11-26</a:t>
             </a:fld>
             <a:endParaRPr lang="ko-KR" altLang="en-US"/>
           </a:p>
@@ -3916,7 +3916,7 @@
           <a:p>
             <a:fld id="{2E2D5BC7-3CC9-4CF8-9043-E85E9F2EC4FF}" type="datetimeFigureOut">
               <a:rPr lang="ko-KR" altLang="en-US" smtClean="0"/>
-              <a:t>2022-11-17</a:t>
+              <a:t>2022-11-26</a:t>
             </a:fld>
             <a:endParaRPr lang="ko-KR" altLang="en-US"/>
           </a:p>
@@ -4191,7 +4191,7 @@
           <a:p>
             <a:fld id="{2E2D5BC7-3CC9-4CF8-9043-E85E9F2EC4FF}" type="datetimeFigureOut">
               <a:rPr lang="ko-KR" altLang="en-US" smtClean="0"/>
-              <a:t>2022-11-17</a:t>
+              <a:t>2022-11-26</a:t>
             </a:fld>
             <a:endParaRPr lang="ko-KR" altLang="en-US"/>
           </a:p>
@@ -4456,7 +4456,7 @@
           <a:p>
             <a:fld id="{2E2D5BC7-3CC9-4CF8-9043-E85E9F2EC4FF}" type="datetimeFigureOut">
               <a:rPr lang="ko-KR" altLang="en-US" smtClean="0"/>
-              <a:t>2022-11-17</a:t>
+              <a:t>2022-11-26</a:t>
             </a:fld>
             <a:endParaRPr lang="ko-KR" altLang="en-US"/>
           </a:p>
@@ -4868,7 +4868,7 @@
           <a:p>
             <a:fld id="{2E2D5BC7-3CC9-4CF8-9043-E85E9F2EC4FF}" type="datetimeFigureOut">
               <a:rPr lang="ko-KR" altLang="en-US" smtClean="0"/>
-              <a:t>2022-11-17</a:t>
+              <a:t>2022-11-26</a:t>
             </a:fld>
             <a:endParaRPr lang="ko-KR" altLang="en-US"/>
           </a:p>
@@ -5009,7 +5009,7 @@
           <a:p>
             <a:fld id="{2E2D5BC7-3CC9-4CF8-9043-E85E9F2EC4FF}" type="datetimeFigureOut">
               <a:rPr lang="ko-KR" altLang="en-US" smtClean="0"/>
-              <a:t>2022-11-17</a:t>
+              <a:t>2022-11-26</a:t>
             </a:fld>
             <a:endParaRPr lang="ko-KR" altLang="en-US"/>
           </a:p>
@@ -5122,7 +5122,7 @@
           <a:p>
             <a:fld id="{2E2D5BC7-3CC9-4CF8-9043-E85E9F2EC4FF}" type="datetimeFigureOut">
               <a:rPr lang="ko-KR" altLang="en-US" smtClean="0"/>
-              <a:t>2022-11-17</a:t>
+              <a:t>2022-11-26</a:t>
             </a:fld>
             <a:endParaRPr lang="ko-KR" altLang="en-US"/>
           </a:p>
@@ -5433,7 +5433,7 @@
           <a:p>
             <a:fld id="{2E2D5BC7-3CC9-4CF8-9043-E85E9F2EC4FF}" type="datetimeFigureOut">
               <a:rPr lang="ko-KR" altLang="en-US" smtClean="0"/>
-              <a:t>2022-11-17</a:t>
+              <a:t>2022-11-26</a:t>
             </a:fld>
             <a:endParaRPr lang="ko-KR" altLang="en-US"/>
           </a:p>
@@ -5721,7 +5721,7 @@
           <a:p>
             <a:fld id="{2E2D5BC7-3CC9-4CF8-9043-E85E9F2EC4FF}" type="datetimeFigureOut">
               <a:rPr lang="ko-KR" altLang="en-US" smtClean="0"/>
-              <a:t>2022-11-17</a:t>
+              <a:t>2022-11-26</a:t>
             </a:fld>
             <a:endParaRPr lang="ko-KR" altLang="en-US"/>
           </a:p>
@@ -5962,7 +5962,7 @@
           <a:p>
             <a:fld id="{2E2D5BC7-3CC9-4CF8-9043-E85E9F2EC4FF}" type="datetimeFigureOut">
               <a:rPr lang="ko-KR" altLang="en-US" smtClean="0"/>
-              <a:t>2022-11-17</a:t>
+              <a:t>2022-11-26</a:t>
             </a:fld>
             <a:endParaRPr lang="ko-KR" altLang="en-US"/>
           </a:p>
@@ -9760,8 +9760,8 @@
         </p:blipFill>
         <p:spPr>
           <a:xfrm>
-            <a:off x="2621812" y="1157990"/>
-            <a:ext cx="6948376" cy="2192665"/>
+            <a:off x="181928" y="2495863"/>
+            <a:ext cx="5914072" cy="1866276"/>
           </a:xfrm>
           <a:prstGeom prst="rect">
             <a:avLst/>
@@ -9790,8 +9790,8 @@
         </p:blipFill>
         <p:spPr>
           <a:xfrm>
-            <a:off x="2792300" y="3549876"/>
-            <a:ext cx="6607401" cy="2867183"/>
+            <a:off x="6027711" y="2106119"/>
+            <a:ext cx="6097138" cy="2645764"/>
           </a:xfrm>
           <a:prstGeom prst="rect">
             <a:avLst/>
@@ -9888,7 +9888,7 @@
         <p:spPr>
           <a:xfrm>
             <a:off x="243444" y="1704109"/>
-            <a:ext cx="10277878" cy="369332"/>
+            <a:ext cx="8422498" cy="646331"/>
           </a:xfrm>
           <a:prstGeom prst="rect">
             <a:avLst/>
@@ -9969,8 +9969,30 @@
                 <a:effectLst/>
                 <a:latin typeface="Noto Sans Medium"/>
               </a:rPr>
-              <a:t>”,</a:t>
-            </a:r>
+              <a:t>”, </a:t>
+            </a:r>
+            <a:r>
+              <a:rPr lang="ko-KR" altLang="en-US" b="0" i="0" dirty="0">
+                <a:solidFill>
+                  <a:srgbClr val="222222"/>
+                </a:solidFill>
+                <a:effectLst/>
+                <a:latin typeface="Noto Sans Medium"/>
+              </a:rPr>
+              <a:t>티스토리</a:t>
+            </a:r>
+            <a:r>
+              <a:rPr lang="en-US" altLang="ko-KR" b="0" i="0" dirty="0">
+                <a:solidFill>
+                  <a:srgbClr val="222222"/>
+                </a:solidFill>
+                <a:effectLst/>
+                <a:latin typeface="Noto Sans Medium"/>
+              </a:rPr>
+              <a:t>, 2020.10.27.,</a:t>
+            </a:r>
+          </a:p>
+          <a:p>
             <a:r>
               <a:rPr lang="en-US" altLang="ko-KR" dirty="0">
                 <a:solidFill>
@@ -9994,7 +10016,6 @@
               <a:rPr lang="en-US" altLang="ko-KR" b="0" i="0" u="none" strike="noStrike" dirty="0">
                 <a:effectLst/>
                 <a:latin typeface="NotoSansKR"/>
-                <a:hlinkClick r:id="rId2"/>
               </a:rPr>
               <a:t>https://devlog-wjdrbs96.tistory.com/231</a:t>
             </a:r>
@@ -10032,8 +10053,8 @@
         </p:nvSpPr>
         <p:spPr>
           <a:xfrm>
-            <a:off x="243444" y="2408856"/>
-            <a:ext cx="17775379" cy="646331"/>
+            <a:off x="243444" y="2749508"/>
+            <a:ext cx="12934375" cy="646331"/>
           </a:xfrm>
           <a:prstGeom prst="rect">
             <a:avLst/>
@@ -10054,7 +10075,7 @@
                 <a:effectLst/>
                 <a:latin typeface="Noto Sans Medium"/>
               </a:rPr>
-              <a:t>“</a:t>
+              <a:t>cos, “</a:t>
             </a:r>
             <a:r>
               <a:rPr lang="en-US" altLang="ko-KR" b="0" i="0" dirty="0" err="1">
@@ -10084,7 +10105,27 @@
                 <a:effectLst/>
                 <a:latin typeface="Noto Sans Medium"/>
               </a:rPr>
-              <a:t>”,</a:t>
+              <a:t>”, </a:t>
+            </a:r>
+            <a:r>
+              <a:rPr lang="en-US" altLang="ko-KR" b="0" i="0" dirty="0" err="1">
+                <a:solidFill>
+                  <a:srgbClr val="222222"/>
+                </a:solidFill>
+                <a:effectLst/>
+                <a:latin typeface="Noto Sans Medium"/>
+              </a:rPr>
+              <a:t>velog</a:t>
+            </a:r>
+            <a:r>
+              <a:rPr lang="en-US" altLang="ko-KR" b="0" i="0" dirty="0">
+                <a:solidFill>
+                  <a:srgbClr val="222222"/>
+                </a:solidFill>
+                <a:effectLst/>
+                <a:latin typeface="Noto Sans Medium"/>
+              </a:rPr>
+              <a:t>, 2020.08.30.,</a:t>
             </a:r>
             <a:br>
               <a:rPr lang="en-US" altLang="ko-KR" b="0" i="0" dirty="0">
@@ -10103,25 +10144,87 @@
                 <a:effectLst/>
                 <a:latin typeface="Noto Sans Medium"/>
               </a:rPr>
-              <a:t>&lt;</a:t>
-            </a:r>
-            <a:r>
-              <a:rPr lang="en-US" altLang="ko-KR" b="0" i="0" u="none" strike="noStrike" dirty="0">
-                <a:effectLst/>
-                <a:latin typeface="NotoSansKR"/>
-                <a:hlinkClick r:id="rId3"/>
-              </a:rPr>
-              <a:t>https://velog.io/@cos/Github%EC%97%90%EC%84%9C-%ED%98%91%EC%97%85%ED%95%98%EB%8A%[…]id=IwAR060iCbkiNdpoeISC_aY2lJtCZ2TDA1QeZzYbKiQJkN328gfOaTc1pS18M</a:t>
-            </a:r>
-            <a:r>
-              <a:rPr lang="en-US" altLang="ko-KR" b="0" i="0" dirty="0">
+              <a:t>&lt; https://velog.io/@cos/Github</a:t>
+            </a:r>
+            <a:r>
+              <a:rPr lang="ko-KR" altLang="en-US" b="0" i="0" dirty="0">
                 <a:solidFill>
                   <a:srgbClr val="222222"/>
                 </a:solidFill>
                 <a:effectLst/>
                 <a:latin typeface="Noto Sans Medium"/>
               </a:rPr>
-              <a:t>&gt;.</a:t>
+              <a:t>에서</a:t>
+            </a:r>
+            <a:r>
+              <a:rPr lang="en-US" altLang="ko-KR" b="0" i="0" dirty="0">
+                <a:solidFill>
+                  <a:srgbClr val="222222"/>
+                </a:solidFill>
+                <a:effectLst/>
+                <a:latin typeface="Noto Sans Medium"/>
+              </a:rPr>
+              <a:t>-</a:t>
+            </a:r>
+            <a:r>
+              <a:rPr lang="ko-KR" altLang="en-US" b="0" i="0" dirty="0">
+                <a:solidFill>
+                  <a:srgbClr val="222222"/>
+                </a:solidFill>
+                <a:effectLst/>
+                <a:latin typeface="Noto Sans Medium"/>
+              </a:rPr>
+              <a:t>협업하는</a:t>
+            </a:r>
+            <a:r>
+              <a:rPr lang="en-US" altLang="ko-KR" b="0" i="0" dirty="0">
+                <a:solidFill>
+                  <a:srgbClr val="222222"/>
+                </a:solidFill>
+                <a:effectLst/>
+                <a:latin typeface="Noto Sans Medium"/>
+              </a:rPr>
+              <a:t>-</a:t>
+            </a:r>
+            <a:r>
+              <a:rPr lang="ko-KR" altLang="en-US" b="0" i="0" dirty="0">
+                <a:solidFill>
+                  <a:srgbClr val="222222"/>
+                </a:solidFill>
+                <a:effectLst/>
+                <a:latin typeface="Noto Sans Medium"/>
+              </a:rPr>
+              <a:t>방법</a:t>
+            </a:r>
+            <a:r>
+              <a:rPr lang="en-US" altLang="ko-KR" b="0" i="0" dirty="0">
+                <a:solidFill>
+                  <a:srgbClr val="222222"/>
+                </a:solidFill>
+                <a:effectLst/>
+                <a:latin typeface="Noto Sans Medium"/>
+              </a:rPr>
+              <a:t>?</a:t>
+            </a:r>
+            <a:r>
+              <a:rPr lang="en-US" altLang="ko-KR" b="0" i="0" dirty="0" err="1">
+                <a:solidFill>
+                  <a:srgbClr val="222222"/>
+                </a:solidFill>
+                <a:effectLst/>
+                <a:latin typeface="Noto Sans Medium"/>
+              </a:rPr>
+              <a:t>fbclid</a:t>
+            </a:r>
+            <a:r>
+              <a:rPr lang="en-US" altLang="ko-KR" b="0" i="0" dirty="0">
+                <a:solidFill>
+                  <a:srgbClr val="222222"/>
+                </a:solidFill>
+                <a:effectLst/>
+                <a:latin typeface="Noto Sans Medium"/>
+              </a:rPr>
+              <a:t>=IwAR060iCbkiNdpoeISC_aY2lJtCZ2TDA1QeZzYbKiQJkN328gfOaTc1pS18M &gt;.</a:t>
             </a:r>
             <a:endParaRPr lang="ko-KR" altLang="en-US" b="0" i="0" dirty="0">
               <a:solidFill>
@@ -10147,8 +10250,8 @@
         </p:nvSpPr>
         <p:spPr>
           <a:xfrm>
-            <a:off x="243444" y="3567805"/>
-            <a:ext cx="7195816" cy="369332"/>
+            <a:off x="243444" y="3794907"/>
+            <a:ext cx="10284803" cy="369332"/>
           </a:xfrm>
           <a:prstGeom prst="rect">
             <a:avLst/>
@@ -10162,14 +10265,24 @@
           <a:lstStyle/>
           <a:p>
             <a:r>
-              <a:rPr lang="en-US" altLang="ko-KR" b="0" i="0" dirty="0">
+              <a:rPr lang="en-US" altLang="ko-KR" b="0" i="0" dirty="0" err="1">
                 <a:solidFill>
                   <a:srgbClr val="222222"/>
                 </a:solidFill>
                 <a:effectLst/>
                 <a:latin typeface="Noto Sans Medium"/>
               </a:rPr>
-              <a:t>“[</a:t>
+              <a:t>phpom</a:t>
+            </a:r>
+            <a:r>
+              <a:rPr lang="en-US" altLang="ko-KR" b="0" i="0" dirty="0">
+                <a:solidFill>
+                  <a:srgbClr val="222222"/>
+                </a:solidFill>
+                <a:effectLst/>
+                <a:latin typeface="Noto Sans Medium"/>
+              </a:rPr>
+              <a:t>, “[</a:t>
             </a:r>
             <a:r>
               <a:rPr lang="en-US" altLang="ko-KR" b="0" i="0" dirty="0" err="1">
@@ -10189,7 +10302,27 @@
                 <a:effectLst/>
                 <a:latin typeface="Noto Sans Medium"/>
               </a:rPr>
-              <a:t>] Pull Request &amp; Code Review”,</a:t>
+              <a:t>] Pull Request &amp; Code Review”, </a:t>
+            </a:r>
+            <a:r>
+              <a:rPr lang="ko-KR" altLang="en-US" b="0" i="0" dirty="0">
+                <a:solidFill>
+                  <a:srgbClr val="222222"/>
+                </a:solidFill>
+                <a:effectLst/>
+                <a:latin typeface="Noto Sans Medium"/>
+              </a:rPr>
+              <a:t>티스토리</a:t>
+            </a:r>
+            <a:r>
+              <a:rPr lang="en-US" altLang="ko-KR" b="0" i="0" dirty="0">
+                <a:solidFill>
+                  <a:srgbClr val="222222"/>
+                </a:solidFill>
+                <a:effectLst/>
+                <a:latin typeface="Noto Sans Medium"/>
+              </a:rPr>
+              <a:t>, 2020.12.20.,</a:t>
             </a:r>
             <a:r>
               <a:rPr lang="en-US" altLang="ko-KR" dirty="0">
@@ -10214,9 +10347,16 @@
               <a:rPr lang="en-US" altLang="ko-KR" b="0" i="0" u="none" strike="noStrike" dirty="0">
                 <a:effectLst/>
                 <a:latin typeface="NotoSansKR"/>
-                <a:hlinkClick r:id="rId4"/>
+                <a:hlinkClick r:id="rId2"/>
               </a:rPr>
-              <a:t> https://wodyios.tistory.com/14 </a:t>
+              <a:t> </a:t>
+            </a:r>
+            <a:r>
+              <a:rPr lang="en-US" altLang="ko-KR" b="0" i="0" u="none" strike="noStrike" dirty="0">
+                <a:effectLst/>
+                <a:latin typeface="NotoSansKR"/>
+              </a:rPr>
+              <a:t>https://wodyios.tistory.com/14 </a:t>
             </a:r>
             <a:r>
               <a:rPr lang="en-US" altLang="ko-KR" b="0" i="0" dirty="0">
@@ -10252,8 +10392,8 @@
         </p:nvSpPr>
         <p:spPr>
           <a:xfrm>
-            <a:off x="243444" y="4449755"/>
-            <a:ext cx="8872942" cy="369332"/>
+            <a:off x="243444" y="4563307"/>
+            <a:ext cx="11378884" cy="369332"/>
           </a:xfrm>
           <a:prstGeom prst="rect">
             <a:avLst/>
@@ -10267,14 +10407,24 @@
           <a:lstStyle/>
           <a:p>
             <a:r>
-              <a:rPr lang="en-US" altLang="ko-KR" b="0" i="0" dirty="0">
+              <a:rPr lang="en-US" altLang="ko-KR" b="0" i="0" dirty="0" err="1">
                 <a:solidFill>
                   <a:srgbClr val="222222"/>
                 </a:solidFill>
                 <a:effectLst/>
                 <a:latin typeface="Noto Sans Medium"/>
               </a:rPr>
-              <a:t>“[TIL] pull req delete vs decline”,</a:t>
+              <a:t>hailey</a:t>
+            </a:r>
+            <a:r>
+              <a:rPr lang="en-US" altLang="ko-KR" b="0" i="0" dirty="0">
+                <a:solidFill>
+                  <a:srgbClr val="222222"/>
+                </a:solidFill>
+                <a:effectLst/>
+                <a:latin typeface="Noto Sans Medium"/>
+              </a:rPr>
+              <a:t>_, “[TIL] pull req delete vs decline”,</a:t>
             </a:r>
             <a:r>
               <a:rPr lang="en-US" altLang="ko-KR" dirty="0">
@@ -10284,6 +10434,24 @@
                 <a:latin typeface="Noto Sans Medium"/>
               </a:rPr>
               <a:t> </a:t>
+            </a:r>
+            <a:r>
+              <a:rPr lang="en-US" altLang="ko-KR" dirty="0" err="1">
+                <a:solidFill>
+                  <a:srgbClr val="222222"/>
+                </a:solidFill>
+                <a:latin typeface="Noto Sans Medium"/>
+              </a:rPr>
+              <a:t>velog</a:t>
+            </a:r>
+            <a:r>
+              <a:rPr lang="en-US" altLang="ko-KR" dirty="0">
+                <a:solidFill>
+                  <a:srgbClr val="222222"/>
+                </a:solidFill>
+                <a:latin typeface="Noto Sans Medium"/>
+              </a:rPr>
+              <a:t>, 2021.11.03, </a:t>
             </a:r>
             <a:r>
               <a:rPr lang="en-US" altLang="ko-KR" b="0" i="0" dirty="0">
@@ -10299,7 +10467,7 @@
               <a:rPr lang="en-US" altLang="ko-KR" b="0" i="0" u="none" strike="noStrike" dirty="0">
                 <a:effectLst/>
                 <a:latin typeface="NotoSansKR"/>
-                <a:hlinkClick r:id="rId4"/>
+                <a:hlinkClick r:id="rId2"/>
               </a:rPr>
               <a:t> </a:t>
             </a:r>
@@ -10307,7 +10475,6 @@
               <a:rPr lang="en-US" altLang="ko-KR" b="0" i="0" u="none" strike="noStrike" dirty="0">
                 <a:effectLst/>
                 <a:latin typeface="NotoSansKR"/>
-                <a:hlinkClick r:id="rId5"/>
               </a:rPr>
               <a:t>https://velog.io/@hailey_/TIL-pull-req-delete-vs-decline</a:t>
             </a:r>
@@ -10346,7 +10513,7 @@
         <p:spPr>
           <a:xfrm>
             <a:off x="243444" y="5331705"/>
-            <a:ext cx="12913792" cy="646331"/>
+            <a:ext cx="9568389" cy="369332"/>
           </a:xfrm>
           <a:prstGeom prst="rect">
             <a:avLst/>
@@ -10367,10 +10534,17 @@
                 <a:effectLst/>
                 <a:latin typeface="Noto Sans Medium"/>
               </a:rPr>
-              <a:t>“How to review and edit a pull request”,</a:t>
-            </a:r>
-          </a:p>
-          <a:p>
+              <a:t>“How to review and edit a pull request”, 2018.10.26.,</a:t>
+            </a:r>
+            <a:r>
+              <a:rPr lang="en-US" altLang="ko-KR" dirty="0">
+                <a:solidFill>
+                  <a:srgbClr val="222222"/>
+                </a:solidFill>
+                <a:latin typeface="Noto Sans Medium"/>
+              </a:rPr>
+              <a:t> </a:t>
+            </a:r>
             <a:r>
               <a:rPr lang="en-US" altLang="ko-KR" b="0" i="0" dirty="0">
                 <a:solidFill>
@@ -10385,7 +10559,7 @@
               <a:rPr lang="en-US" altLang="ko-KR" b="0" i="0" u="none" strike="noStrike" dirty="0">
                 <a:effectLst/>
                 <a:latin typeface="NotoSansKR"/>
-                <a:hlinkClick r:id="rId4"/>
+                <a:hlinkClick r:id="rId2"/>
               </a:rPr>
               <a:t> </a:t>
             </a:r>
@@ -10393,9 +10567,8 @@
               <a:rPr lang="en-US" altLang="ko-KR" b="0" i="0" u="none" strike="noStrike" dirty="0">
                 <a:effectLst/>
                 <a:latin typeface="NotoSansKR"/>
-                <a:hlinkClick r:id="rId6"/>
               </a:rPr>
-              <a:t>https://zellwk.com/blog/edit-pull-request/#:~:text=If%20you%20click%20on%20add,button%20and%20select%20submit%20review</a:t>
+              <a:t>https://zellwk.com/blog/edit-pull-request/ </a:t>
             </a:r>
             <a:r>
               <a:rPr lang="en-US" altLang="ko-KR" b="0" i="0" dirty="0">
